--- a/Scripts/Presentation1.pptx
+++ b/Scripts/Presentation1.pptx
@@ -8,6 +8,8 @@
     <p:sldId id="256" r:id="rId2"/>
     <p:sldId id="257" r:id="rId3"/>
     <p:sldId id="258" r:id="rId4"/>
+    <p:sldId id="259" r:id="rId5"/>
+    <p:sldId id="260" r:id="rId6"/>
   </p:sldIdLst>
   <p:sldSz cx="12192000" cy="6858000"/>
   <p:notesSz cx="6858000" cy="9144000"/>
@@ -106,6 +108,11 @@
       </a:defRPr>
     </a:lvl9pPr>
   </p:defaultTextStyle>
+  <p:extLst>
+    <p:ext uri="{EFAFB233-063F-42B5-8137-9DF3F51BA10A}">
+      <p15:sldGuideLst xmlns:p15="http://schemas.microsoft.com/office/powerpoint/2012/main"/>
+    </p:ext>
+  </p:extLst>
 </p:presentation>
 </file>
 
@@ -4173,6 +4180,420 @@
 </p:sld>
 </file>
 
+<file path=ppt/slides/slide4.xml><?xml version="1.0" encoding="utf-8"?>
+<p:sld xmlns:a="http://schemas.openxmlformats.org/drawingml/2006/main" xmlns:r="http://schemas.openxmlformats.org/officeDocument/2006/relationships" xmlns:p="http://schemas.openxmlformats.org/presentationml/2006/main">
+  <p:cSld>
+    <p:spTree>
+      <p:nvGrpSpPr>
+        <p:cNvPr id="1" name=""/>
+        <p:cNvGrpSpPr/>
+        <p:nvPr/>
+      </p:nvGrpSpPr>
+      <p:grpSpPr>
+        <a:xfrm>
+          <a:off x="0" y="0"/>
+          <a:ext cx="0" cy="0"/>
+          <a:chOff x="0" y="0"/>
+          <a:chExt cx="0" cy="0"/>
+        </a:xfrm>
+      </p:grpSpPr>
+      <p:sp>
+        <p:nvSpPr>
+          <p:cNvPr id="20" name="Doughnut 19">
+            <a:extLst>
+              <a:ext uri="{FF2B5EF4-FFF2-40B4-BE49-F238E27FC236}">
+                <a16:creationId xmlns:a16="http://schemas.microsoft.com/office/drawing/2014/main" id="{2CF15BF3-F542-3F73-71B0-087F13811D9A}"/>
+              </a:ext>
+            </a:extLst>
+          </p:cNvPr>
+          <p:cNvSpPr/>
+          <p:nvPr/>
+        </p:nvSpPr>
+        <p:spPr>
+          <a:xfrm>
+            <a:off x="770591" y="792293"/>
+            <a:ext cx="10650817" cy="5257049"/>
+          </a:xfrm>
+          <a:prstGeom prst="donut">
+            <a:avLst>
+              <a:gd name="adj" fmla="val 714"/>
+            </a:avLst>
+          </a:prstGeom>
+          <a:solidFill>
+            <a:srgbClr val="005D9A"/>
+          </a:solidFill>
+        </p:spPr>
+        <p:style>
+          <a:lnRef idx="2">
+            <a:schemeClr val="accent1">
+              <a:shade val="15000"/>
+            </a:schemeClr>
+          </a:lnRef>
+          <a:fillRef idx="1">
+            <a:schemeClr val="accent1"/>
+          </a:fillRef>
+          <a:effectRef idx="0">
+            <a:schemeClr val="accent1"/>
+          </a:effectRef>
+          <a:fontRef idx="minor">
+            <a:schemeClr val="lt1"/>
+          </a:fontRef>
+        </p:style>
+        <p:txBody>
+          <a:bodyPr rtlCol="0" anchor="ctr"/>
+          <a:lstStyle/>
+          <a:p>
+            <a:pPr algn="ctr"/>
+            <a:endParaRPr lang="en-DE">
+              <a:solidFill>
+                <a:schemeClr val="tx1"/>
+              </a:solidFill>
+            </a:endParaRPr>
+          </a:p>
+        </p:txBody>
+      </p:sp>
+      <p:pic>
+        <p:nvPicPr>
+          <p:cNvPr id="5" name="Picture 4" descr="A picture containing font, logo, graphics, graphic design&#10;&#10;Description automatically generated">
+            <a:extLst>
+              <a:ext uri="{FF2B5EF4-FFF2-40B4-BE49-F238E27FC236}">
+                <a16:creationId xmlns:a16="http://schemas.microsoft.com/office/drawing/2014/main" id="{39B5702A-1F5D-DEE3-65BC-1995212414F5}"/>
+              </a:ext>
+            </a:extLst>
+          </p:cNvPr>
+          <p:cNvPicPr>
+            <a:picLocks noChangeAspect="1"/>
+          </p:cNvPicPr>
+          <p:nvPr/>
+        </p:nvPicPr>
+        <p:blipFill rotWithShape="1">
+          <a:blip r:embed="rId2"/>
+          <a:srcRect t="3902"/>
+          <a:stretch/>
+        </p:blipFill>
+        <p:spPr>
+          <a:xfrm>
+            <a:off x="282436" y="2019544"/>
+            <a:ext cx="2192400" cy="900316"/>
+          </a:xfrm>
+          <a:prstGeom prst="rect">
+            <a:avLst/>
+          </a:prstGeom>
+        </p:spPr>
+      </p:pic>
+      <p:pic>
+        <p:nvPicPr>
+          <p:cNvPr id="7" name="Picture 6" descr="A close up of a logo&#10;&#10;Description automatically generated with low confidence">
+            <a:extLst>
+              <a:ext uri="{FF2B5EF4-FFF2-40B4-BE49-F238E27FC236}">
+                <a16:creationId xmlns:a16="http://schemas.microsoft.com/office/drawing/2014/main" id="{32A4C90B-73B2-E611-09C7-9A812622894B}"/>
+              </a:ext>
+            </a:extLst>
+          </p:cNvPr>
+          <p:cNvPicPr>
+            <a:picLocks noChangeAspect="1"/>
+          </p:cNvPicPr>
+          <p:nvPr/>
+        </p:nvPicPr>
+        <p:blipFill>
+          <a:blip r:embed="rId3"/>
+          <a:stretch>
+            <a:fillRect/>
+          </a:stretch>
+        </p:blipFill>
+        <p:spPr>
+          <a:xfrm>
+            <a:off x="2220273" y="601629"/>
+            <a:ext cx="2876400" cy="900411"/>
+          </a:xfrm>
+          <a:prstGeom prst="rect">
+            <a:avLst/>
+          </a:prstGeom>
+        </p:spPr>
+      </p:pic>
+      <p:pic>
+        <p:nvPicPr>
+          <p:cNvPr id="9" name="Picture 8" descr="A picture containing font, white, logo, design&#10;&#10;Description automatically generated">
+            <a:extLst>
+              <a:ext uri="{FF2B5EF4-FFF2-40B4-BE49-F238E27FC236}">
+                <a16:creationId xmlns:a16="http://schemas.microsoft.com/office/drawing/2014/main" id="{16A26413-C8F6-6673-23CB-A600E82DB52F}"/>
+              </a:ext>
+            </a:extLst>
+          </p:cNvPr>
+          <p:cNvPicPr>
+            <a:picLocks noChangeAspect="1"/>
+          </p:cNvPicPr>
+          <p:nvPr/>
+        </p:nvPicPr>
+        <p:blipFill>
+          <a:blip r:embed="rId4"/>
+          <a:stretch>
+            <a:fillRect/>
+          </a:stretch>
+        </p:blipFill>
+        <p:spPr>
+          <a:xfrm>
+            <a:off x="3072088" y="5445610"/>
+            <a:ext cx="2959200" cy="899757"/>
+          </a:xfrm>
+          <a:prstGeom prst="rect">
+            <a:avLst/>
+          </a:prstGeom>
+        </p:spPr>
+      </p:pic>
+      <p:pic>
+        <p:nvPicPr>
+          <p:cNvPr id="11" name="Picture 10" descr="A picture containing font, logo, graphics, graphic design&#10;&#10;Description automatically generated">
+            <a:extLst>
+              <a:ext uri="{FF2B5EF4-FFF2-40B4-BE49-F238E27FC236}">
+                <a16:creationId xmlns:a16="http://schemas.microsoft.com/office/drawing/2014/main" id="{AD3CDCF4-0347-F1AC-30D4-E5DB779D91D3}"/>
+              </a:ext>
+            </a:extLst>
+          </p:cNvPr>
+          <p:cNvPicPr>
+            <a:picLocks noChangeAspect="1"/>
+          </p:cNvPicPr>
+          <p:nvPr/>
+        </p:nvPicPr>
+        <p:blipFill>
+          <a:blip r:embed="rId5"/>
+          <a:stretch>
+            <a:fillRect/>
+          </a:stretch>
+        </p:blipFill>
+        <p:spPr>
+          <a:xfrm>
+            <a:off x="7693148" y="5296617"/>
+            <a:ext cx="2066400" cy="900738"/>
+          </a:xfrm>
+          <a:prstGeom prst="rect">
+            <a:avLst/>
+          </a:prstGeom>
+        </p:spPr>
+      </p:pic>
+      <p:pic>
+        <p:nvPicPr>
+          <p:cNvPr id="13" name="Picture 12" descr="A picture containing line art, sketch, illustration, clipart&#10;&#10;Description automatically generated">
+            <a:extLst>
+              <a:ext uri="{FF2B5EF4-FFF2-40B4-BE49-F238E27FC236}">
+                <a16:creationId xmlns:a16="http://schemas.microsoft.com/office/drawing/2014/main" id="{5F903DAD-9064-F1F5-3D35-5885AB8996AE}"/>
+              </a:ext>
+            </a:extLst>
+          </p:cNvPr>
+          <p:cNvPicPr>
+            <a:picLocks noChangeAspect="1"/>
+          </p:cNvPicPr>
+          <p:nvPr/>
+        </p:nvPicPr>
+        <p:blipFill>
+          <a:blip r:embed="rId6"/>
+          <a:stretch>
+            <a:fillRect/>
+          </a:stretch>
+        </p:blipFill>
+        <p:spPr>
+          <a:xfrm>
+            <a:off x="6351493" y="512392"/>
+            <a:ext cx="2584800" cy="900324"/>
+          </a:xfrm>
+          <a:prstGeom prst="rect">
+            <a:avLst/>
+          </a:prstGeom>
+        </p:spPr>
+      </p:pic>
+      <p:pic>
+        <p:nvPicPr>
+          <p:cNvPr id="15" name="Picture 14" descr="A picture containing text, font, logo, graphics&#10;&#10;Description automatically generated">
+            <a:extLst>
+              <a:ext uri="{FF2B5EF4-FFF2-40B4-BE49-F238E27FC236}">
+                <a16:creationId xmlns:a16="http://schemas.microsoft.com/office/drawing/2014/main" id="{39606479-449C-D818-19E1-F72C09BEB334}"/>
+              </a:ext>
+            </a:extLst>
+          </p:cNvPr>
+          <p:cNvPicPr>
+            <a:picLocks noChangeAspect="1"/>
+          </p:cNvPicPr>
+          <p:nvPr/>
+        </p:nvPicPr>
+        <p:blipFill>
+          <a:blip r:embed="rId7"/>
+          <a:stretch>
+            <a:fillRect/>
+          </a:stretch>
+        </p:blipFill>
+        <p:spPr>
+          <a:xfrm>
+            <a:off x="9502800" y="3696586"/>
+            <a:ext cx="2689200" cy="900247"/>
+          </a:xfrm>
+          <a:prstGeom prst="rect">
+            <a:avLst/>
+          </a:prstGeom>
+        </p:spPr>
+      </p:pic>
+      <p:pic>
+        <p:nvPicPr>
+          <p:cNvPr id="17" name="Picture 16" descr="A blue and black logo&#10;&#10;Description automatically generated with low confidence">
+            <a:extLst>
+              <a:ext uri="{FF2B5EF4-FFF2-40B4-BE49-F238E27FC236}">
+                <a16:creationId xmlns:a16="http://schemas.microsoft.com/office/drawing/2014/main" id="{DF6807E5-D7BD-5B6F-8D85-78770550F1FE}"/>
+              </a:ext>
+            </a:extLst>
+          </p:cNvPr>
+          <p:cNvPicPr>
+            <a:picLocks noChangeAspect="1"/>
+          </p:cNvPicPr>
+          <p:nvPr/>
+        </p:nvPicPr>
+        <p:blipFill>
+          <a:blip r:embed="rId8"/>
+          <a:stretch>
+            <a:fillRect/>
+          </a:stretch>
+        </p:blipFill>
+        <p:spPr>
+          <a:xfrm>
+            <a:off x="282436" y="4147110"/>
+            <a:ext cx="2016000" cy="899446"/>
+          </a:xfrm>
+          <a:prstGeom prst="rect">
+            <a:avLst/>
+          </a:prstGeom>
+        </p:spPr>
+      </p:pic>
+      <p:pic>
+        <p:nvPicPr>
+          <p:cNvPr id="19" name="Picture 18" descr="A black text on a white background&#10;&#10;Description automatically generated with low confidence">
+            <a:extLst>
+              <a:ext uri="{FF2B5EF4-FFF2-40B4-BE49-F238E27FC236}">
+                <a16:creationId xmlns:a16="http://schemas.microsoft.com/office/drawing/2014/main" id="{B3C65DDE-42FB-BE63-7015-4357A205D904}"/>
+              </a:ext>
+            </a:extLst>
+          </p:cNvPr>
+          <p:cNvPicPr>
+            <a:picLocks noChangeAspect="1"/>
+          </p:cNvPicPr>
+          <p:nvPr/>
+        </p:nvPicPr>
+        <p:blipFill>
+          <a:blip r:embed="rId9"/>
+          <a:stretch>
+            <a:fillRect/>
+          </a:stretch>
+        </p:blipFill>
+        <p:spPr>
+          <a:xfrm>
+            <a:off x="8505763" y="1794623"/>
+            <a:ext cx="3492000" cy="899634"/>
+          </a:xfrm>
+          <a:prstGeom prst="rect">
+            <a:avLst/>
+          </a:prstGeom>
+        </p:spPr>
+      </p:pic>
+    </p:spTree>
+    <p:extLst>
+      <p:ext uri="{BB962C8B-B14F-4D97-AF65-F5344CB8AC3E}">
+        <p14:creationId xmlns:p14="http://schemas.microsoft.com/office/powerpoint/2010/main" val="3328575572"/>
+      </p:ext>
+    </p:extLst>
+  </p:cSld>
+  <p:clrMapOvr>
+    <a:masterClrMapping/>
+  </p:clrMapOvr>
+</p:sld>
+</file>
+
+<file path=ppt/slides/slide5.xml><?xml version="1.0" encoding="utf-8"?>
+<p:sld xmlns:a="http://schemas.openxmlformats.org/drawingml/2006/main" xmlns:r="http://schemas.openxmlformats.org/officeDocument/2006/relationships" xmlns:p="http://schemas.openxmlformats.org/presentationml/2006/main">
+  <p:cSld>
+    <p:spTree>
+      <p:nvGrpSpPr>
+        <p:cNvPr id="1" name=""/>
+        <p:cNvGrpSpPr/>
+        <p:nvPr/>
+      </p:nvGrpSpPr>
+      <p:grpSpPr>
+        <a:xfrm>
+          <a:off x="0" y="0"/>
+          <a:ext cx="0" cy="0"/>
+          <a:chOff x="0" y="0"/>
+          <a:chExt cx="0" cy="0"/>
+        </a:xfrm>
+      </p:grpSpPr>
+      <p:pic>
+        <p:nvPicPr>
+          <p:cNvPr id="4" name="Picture 3" descr="A picture containing text, screenshot, font&#10;&#10;Description automatically generated">
+            <a:extLst>
+              <a:ext uri="{FF2B5EF4-FFF2-40B4-BE49-F238E27FC236}">
+                <a16:creationId xmlns:a16="http://schemas.microsoft.com/office/drawing/2014/main" id="{6B3F8320-37D6-B8AD-3FEF-08F0D49F425C}"/>
+              </a:ext>
+            </a:extLst>
+          </p:cNvPr>
+          <p:cNvPicPr>
+            <a:picLocks noChangeAspect="1"/>
+          </p:cNvPicPr>
+          <p:nvPr/>
+        </p:nvPicPr>
+        <p:blipFill>
+          <a:blip r:embed="rId2"/>
+          <a:stretch>
+            <a:fillRect/>
+          </a:stretch>
+        </p:blipFill>
+        <p:spPr>
+          <a:xfrm>
+            <a:off x="339911" y="1545292"/>
+            <a:ext cx="4546600" cy="4305300"/>
+          </a:xfrm>
+          <a:prstGeom prst="rect">
+            <a:avLst/>
+          </a:prstGeom>
+        </p:spPr>
+      </p:pic>
+      <p:pic>
+        <p:nvPicPr>
+          <p:cNvPr id="6" name="Picture 5" descr="A picture containing text, screenshot, font&#10;&#10;Description automatically generated">
+            <a:extLst>
+              <a:ext uri="{FF2B5EF4-FFF2-40B4-BE49-F238E27FC236}">
+                <a16:creationId xmlns:a16="http://schemas.microsoft.com/office/drawing/2014/main" id="{BE285E99-1AC2-34FD-6114-16C94E49D1F9}"/>
+              </a:ext>
+            </a:extLst>
+          </p:cNvPr>
+          <p:cNvPicPr>
+            <a:picLocks noChangeAspect="1"/>
+          </p:cNvPicPr>
+          <p:nvPr/>
+        </p:nvPicPr>
+        <p:blipFill>
+          <a:blip r:embed="rId3"/>
+          <a:stretch>
+            <a:fillRect/>
+          </a:stretch>
+        </p:blipFill>
+        <p:spPr>
+          <a:xfrm>
+            <a:off x="4867835" y="1717144"/>
+            <a:ext cx="7138546" cy="4133448"/>
+          </a:xfrm>
+          <a:prstGeom prst="rect">
+            <a:avLst/>
+          </a:prstGeom>
+        </p:spPr>
+      </p:pic>
+    </p:spTree>
+    <p:extLst>
+      <p:ext uri="{BB962C8B-B14F-4D97-AF65-F5344CB8AC3E}">
+        <p14:creationId xmlns:p14="http://schemas.microsoft.com/office/powerpoint/2010/main" val="2971031939"/>
+      </p:ext>
+    </p:extLst>
+  </p:cSld>
+  <p:clrMapOvr>
+    <a:masterClrMapping/>
+  </p:clrMapOvr>
+</p:sld>
+</file>
+
 <file path=ppt/theme/theme1.xml><?xml version="1.0" encoding="utf-8"?>
 <a:theme xmlns:a="http://schemas.openxmlformats.org/drawingml/2006/main" name="Office Theme">
   <a:themeElements>
